--- a/HW3/嵌入式影像處理HW3_1114.pptx
+++ b/HW3/嵌入式影像處理HW3_1114.pptx
@@ -240,7 +240,7 @@
           <a:p>
             <a:fld id="{7829F8E0-05F2-4742-BB97-D2E4F51035C8}" type="datetimeFigureOut">
               <a:rPr lang="zh-TW" altLang="en-US" smtClean="0"/>
-              <a:t>2024/11/21</a:t>
+              <a:t>2025/1/9</a:t>
             </a:fld>
             <a:endParaRPr lang="zh-TW" altLang="en-US"/>
           </a:p>
@@ -405,7 +405,7 @@
           <a:p>
             <a:fld id="{2CB905C5-9D54-40E2-B40C-7996280CAB02}" type="datetimeFigureOut">
               <a:rPr lang="zh-TW" altLang="en-US" smtClean="0"/>
-              <a:t>2024/11/21</a:t>
+              <a:t>2025/1/9</a:t>
             </a:fld>
             <a:endParaRPr lang="zh-TW" altLang="en-US"/>
           </a:p>
@@ -806,7 +806,7 @@
           <a:p>
             <a:fld id="{0C0CC965-A63A-473D-BEFB-C8F9714D5269}" type="datetimeFigureOut">
               <a:rPr lang="zh-TW" altLang="en-US" smtClean="0"/>
-              <a:t>2024/11/21</a:t>
+              <a:t>2025/1/9</a:t>
             </a:fld>
             <a:endParaRPr lang="zh-TW" altLang="en-US"/>
           </a:p>
@@ -974,7 +974,7 @@
           <a:p>
             <a:fld id="{0C0CC965-A63A-473D-BEFB-C8F9714D5269}" type="datetimeFigureOut">
               <a:rPr lang="zh-TW" altLang="en-US" smtClean="0"/>
-              <a:t>2024/11/21</a:t>
+              <a:t>2025/1/9</a:t>
             </a:fld>
             <a:endParaRPr lang="zh-TW" altLang="en-US"/>
           </a:p>
@@ -1152,7 +1152,7 @@
           <a:p>
             <a:fld id="{0C0CC965-A63A-473D-BEFB-C8F9714D5269}" type="datetimeFigureOut">
               <a:rPr lang="zh-TW" altLang="en-US" smtClean="0"/>
-              <a:t>2024/11/21</a:t>
+              <a:t>2025/1/9</a:t>
             </a:fld>
             <a:endParaRPr lang="zh-TW" altLang="en-US"/>
           </a:p>
@@ -1338,7 +1338,7 @@
           <a:p>
             <a:fld id="{CACB0DA3-1C91-429E-85DF-004AAF88FDEC}" type="datetimeFigureOut">
               <a:rPr lang="zh-TW" altLang="en-US" smtClean="0"/>
-              <a:t>2024/11/21</a:t>
+              <a:t>2025/1/9</a:t>
             </a:fld>
             <a:endParaRPr lang="zh-TW" altLang="en-US"/>
           </a:p>
@@ -1545,7 +1545,7 @@
           <a:p>
             <a:fld id="{0C0CC965-A63A-473D-BEFB-C8F9714D5269}" type="datetimeFigureOut">
               <a:rPr lang="zh-TW" altLang="en-US" smtClean="0"/>
-              <a:t>2024/11/21</a:t>
+              <a:t>2025/1/9</a:t>
             </a:fld>
             <a:endParaRPr lang="zh-TW" altLang="en-US"/>
           </a:p>
@@ -1790,7 +1790,7 @@
           <a:p>
             <a:fld id="{0C0CC965-A63A-473D-BEFB-C8F9714D5269}" type="datetimeFigureOut">
               <a:rPr lang="zh-TW" altLang="en-US" smtClean="0"/>
-              <a:t>2024/11/21</a:t>
+              <a:t>2025/1/9</a:t>
             </a:fld>
             <a:endParaRPr lang="zh-TW" altLang="en-US"/>
           </a:p>
@@ -2019,7 +2019,7 @@
           <a:p>
             <a:fld id="{0C0CC965-A63A-473D-BEFB-C8F9714D5269}" type="datetimeFigureOut">
               <a:rPr lang="zh-TW" altLang="en-US" smtClean="0"/>
-              <a:t>2024/11/21</a:t>
+              <a:t>2025/1/9</a:t>
             </a:fld>
             <a:endParaRPr lang="zh-TW" altLang="en-US"/>
           </a:p>
@@ -2383,7 +2383,7 @@
           <a:p>
             <a:fld id="{0C0CC965-A63A-473D-BEFB-C8F9714D5269}" type="datetimeFigureOut">
               <a:rPr lang="zh-TW" altLang="en-US" smtClean="0"/>
-              <a:t>2024/11/21</a:t>
+              <a:t>2025/1/9</a:t>
             </a:fld>
             <a:endParaRPr lang="zh-TW" altLang="en-US"/>
           </a:p>
@@ -2500,7 +2500,7 @@
           <a:p>
             <a:fld id="{0C0CC965-A63A-473D-BEFB-C8F9714D5269}" type="datetimeFigureOut">
               <a:rPr lang="zh-TW" altLang="en-US" smtClean="0"/>
-              <a:t>2024/11/21</a:t>
+              <a:t>2025/1/9</a:t>
             </a:fld>
             <a:endParaRPr lang="zh-TW" altLang="en-US"/>
           </a:p>
@@ -2595,7 +2595,7 @@
           <a:p>
             <a:fld id="{0C0CC965-A63A-473D-BEFB-C8F9714D5269}" type="datetimeFigureOut">
               <a:rPr lang="zh-TW" altLang="en-US" smtClean="0"/>
-              <a:t>2024/11/21</a:t>
+              <a:t>2025/1/9</a:t>
             </a:fld>
             <a:endParaRPr lang="zh-TW" altLang="en-US"/>
           </a:p>
@@ -2870,7 +2870,7 @@
           <a:p>
             <a:fld id="{0C0CC965-A63A-473D-BEFB-C8F9714D5269}" type="datetimeFigureOut">
               <a:rPr lang="zh-TW" altLang="en-US" smtClean="0"/>
-              <a:t>2024/11/21</a:t>
+              <a:t>2025/1/9</a:t>
             </a:fld>
             <a:endParaRPr lang="zh-TW" altLang="en-US"/>
           </a:p>
@@ -3122,7 +3122,7 @@
           <a:p>
             <a:fld id="{0C0CC965-A63A-473D-BEFB-C8F9714D5269}" type="datetimeFigureOut">
               <a:rPr lang="zh-TW" altLang="en-US" smtClean="0"/>
-              <a:t>2024/11/21</a:t>
+              <a:t>2025/1/9</a:t>
             </a:fld>
             <a:endParaRPr lang="zh-TW" altLang="en-US"/>
           </a:p>
@@ -3336,7 +3336,7 @@
             <a:fld id="{0C0CC965-A63A-473D-BEFB-C8F9714D5269}" type="datetimeFigureOut">
               <a:rPr lang="zh-TW" altLang="en-US" smtClean="0"/>
               <a:pPr/>
-              <a:t>2024/11/21</a:t>
+              <a:t>2025/1/9</a:t>
             </a:fld>
             <a:endParaRPr lang="zh-TW" altLang="en-US"/>
           </a:p>
@@ -7574,6 +7574,36 @@
           <a:chExt cx="0" cy="0"/>
         </a:xfrm>
       </p:grpSpPr>
+      <p:pic>
+        <p:nvPicPr>
+          <p:cNvPr id="3" name="圖片 2">
+            <a:extLst>
+              <a:ext uri="{FF2B5EF4-FFF2-40B4-BE49-F238E27FC236}">
+                <a16:creationId xmlns:a16="http://schemas.microsoft.com/office/drawing/2014/main" id="{937A4D21-81D8-26C0-9ED4-751EAB1C3D37}"/>
+              </a:ext>
+            </a:extLst>
+          </p:cNvPr>
+          <p:cNvPicPr>
+            <a:picLocks noChangeAspect="1"/>
+          </p:cNvPicPr>
+          <p:nvPr/>
+        </p:nvPicPr>
+        <p:blipFill>
+          <a:blip r:embed="rId2"/>
+          <a:stretch>
+            <a:fillRect/>
+          </a:stretch>
+        </p:blipFill>
+        <p:spPr>
+          <a:xfrm>
+            <a:off x="6296025" y="2372619"/>
+            <a:ext cx="5057775" cy="3707437"/>
+          </a:xfrm>
+          <a:prstGeom prst="rect">
+            <a:avLst/>
+          </a:prstGeom>
+        </p:spPr>
+      </p:pic>
       <p:sp>
         <p:nvSpPr>
           <p:cNvPr id="102" name="文字方塊 101">
@@ -7873,36 +7903,6 @@
           </a:p>
         </p:txBody>
       </p:sp>
-      <p:pic>
-        <p:nvPicPr>
-          <p:cNvPr id="4" name="圖片 3">
-            <a:extLst>
-              <a:ext uri="{FF2B5EF4-FFF2-40B4-BE49-F238E27FC236}">
-                <a16:creationId xmlns:a16="http://schemas.microsoft.com/office/drawing/2014/main" id="{13B3492A-8C52-196F-D06A-A7BBA1040210}"/>
-              </a:ext>
-            </a:extLst>
-          </p:cNvPr>
-          <p:cNvPicPr>
-            <a:picLocks noChangeAspect="1"/>
-          </p:cNvPicPr>
-          <p:nvPr/>
-        </p:nvPicPr>
-        <p:blipFill>
-          <a:blip r:embed="rId2"/>
-          <a:stretch>
-            <a:fillRect/>
-          </a:stretch>
-        </p:blipFill>
-        <p:spPr>
-          <a:xfrm>
-            <a:off x="6343251" y="2668825"/>
-            <a:ext cx="4579269" cy="3594726"/>
-          </a:xfrm>
-          <a:prstGeom prst="rect">
-            <a:avLst/>
-          </a:prstGeom>
-        </p:spPr>
-      </p:pic>
       <p:sp>
         <p:nvSpPr>
           <p:cNvPr id="5" name="文字方塊 4">
@@ -8509,7 +8509,7 @@
             </a:r>
             <a:r>
               <a:rPr lang="zh-TW" altLang="en-US" dirty="0"/>
-              <a:t>綠色</a:t>
+              <a:t>紅色</a:t>
             </a:r>
             <a:r>
               <a:rPr lang="zh-TW" altLang="zh-TW" dirty="0"/>
@@ -8550,7 +8550,7 @@
             </a:r>
             <a:r>
               <a:rPr lang="zh-TW" altLang="en-US" dirty="0"/>
-              <a:t>：將已標記的地方上色，塗上綠色。</a:t>
+              <a:t>：將已標記的地方上色，塗上紅色。</a:t>
             </a:r>
             <a:endParaRPr lang="en-US" altLang="zh-TW" dirty="0"/>
           </a:p>
@@ -8587,10 +8587,10 @@
       </p:sp>
       <p:pic>
         <p:nvPicPr>
-          <p:cNvPr id="3" name="圖片 2" descr="一張含有 草, 天空, 戶外, 植物 的圖片&#10;&#10;自動產生的描述">
+          <p:cNvPr id="4" name="圖片 3" descr="一張含有 道路, 戶外, 瀝青, 公共建設 的圖片&#10;&#10;自動產生的描述">
             <a:extLst>
               <a:ext uri="{FF2B5EF4-FFF2-40B4-BE49-F238E27FC236}">
-                <a16:creationId xmlns:a16="http://schemas.microsoft.com/office/drawing/2014/main" id="{FFB859DB-8A58-F19F-CBE5-F8DAAC5A8260}"/>
+                <a16:creationId xmlns:a16="http://schemas.microsoft.com/office/drawing/2014/main" id="{CEBBA231-FAEA-81AB-D0D9-672F973B9D33}"/>
               </a:ext>
             </a:extLst>
           </p:cNvPr>
@@ -8613,8 +8613,8 @@
         </p:blipFill>
         <p:spPr>
           <a:xfrm>
-            <a:off x="6515100" y="2645568"/>
-            <a:ext cx="4752975" cy="3564731"/>
+            <a:off x="6531298" y="2602705"/>
+            <a:ext cx="4848225" cy="3636169"/>
           </a:xfrm>
           <a:prstGeom prst="rect">
             <a:avLst/>
